--- a/0090_ber/rtl/schematic/serial_send.pptx
+++ b/0090_ber/rtl/schematic/serial_send.pptx
@@ -197,7 +197,7 @@
           <a:p>
             <a:fld id="{B9E5BF02-4A65-43B2-AA51-912306618617}" type="datetimeFigureOut">
               <a:rPr lang="en-US" smtClean="0"/>
-              <a:t>9/25/2017</a:t>
+              <a:t>10/12/2017</a:t>
             </a:fld>
             <a:endParaRPr lang="en-US"/>
           </a:p>
@@ -685,7 +685,7 @@
           <a:p>
             <a:fld id="{F8F920B2-3E99-4C9D-9450-62A3DEC5476B}" type="datetimeFigureOut">
               <a:rPr lang="en-US" smtClean="0"/>
-              <a:t>9/25/2017</a:t>
+              <a:t>10/12/2017</a:t>
             </a:fld>
             <a:endParaRPr lang="en-US"/>
           </a:p>
@@ -855,7 +855,7 @@
           <a:p>
             <a:fld id="{F8F920B2-3E99-4C9D-9450-62A3DEC5476B}" type="datetimeFigureOut">
               <a:rPr lang="en-US" smtClean="0"/>
-              <a:t>9/25/2017</a:t>
+              <a:t>10/12/2017</a:t>
             </a:fld>
             <a:endParaRPr lang="en-US"/>
           </a:p>
@@ -1035,7 +1035,7 @@
           <a:p>
             <a:fld id="{F8F920B2-3E99-4C9D-9450-62A3DEC5476B}" type="datetimeFigureOut">
               <a:rPr lang="en-US" smtClean="0"/>
-              <a:t>9/25/2017</a:t>
+              <a:t>10/12/2017</a:t>
             </a:fld>
             <a:endParaRPr lang="en-US"/>
           </a:p>
@@ -1205,7 +1205,7 @@
           <a:p>
             <a:fld id="{F8F920B2-3E99-4C9D-9450-62A3DEC5476B}" type="datetimeFigureOut">
               <a:rPr lang="en-US" smtClean="0"/>
-              <a:t>9/25/2017</a:t>
+              <a:t>10/12/2017</a:t>
             </a:fld>
             <a:endParaRPr lang="en-US"/>
           </a:p>
@@ -1449,7 +1449,7 @@
           <a:p>
             <a:fld id="{F8F920B2-3E99-4C9D-9450-62A3DEC5476B}" type="datetimeFigureOut">
               <a:rPr lang="en-US" smtClean="0"/>
-              <a:t>9/25/2017</a:t>
+              <a:t>10/12/2017</a:t>
             </a:fld>
             <a:endParaRPr lang="en-US"/>
           </a:p>
@@ -1681,7 +1681,7 @@
           <a:p>
             <a:fld id="{F8F920B2-3E99-4C9D-9450-62A3DEC5476B}" type="datetimeFigureOut">
               <a:rPr lang="en-US" smtClean="0"/>
-              <a:t>9/25/2017</a:t>
+              <a:t>10/12/2017</a:t>
             </a:fld>
             <a:endParaRPr lang="en-US"/>
           </a:p>
@@ -2048,7 +2048,7 @@
           <a:p>
             <a:fld id="{F8F920B2-3E99-4C9D-9450-62A3DEC5476B}" type="datetimeFigureOut">
               <a:rPr lang="en-US" smtClean="0"/>
-              <a:t>9/25/2017</a:t>
+              <a:t>10/12/2017</a:t>
             </a:fld>
             <a:endParaRPr lang="en-US"/>
           </a:p>
@@ -2166,7 +2166,7 @@
           <a:p>
             <a:fld id="{F8F920B2-3E99-4C9D-9450-62A3DEC5476B}" type="datetimeFigureOut">
               <a:rPr lang="en-US" smtClean="0"/>
-              <a:t>9/25/2017</a:t>
+              <a:t>10/12/2017</a:t>
             </a:fld>
             <a:endParaRPr lang="en-US"/>
           </a:p>
@@ -2261,7 +2261,7 @@
           <a:p>
             <a:fld id="{F8F920B2-3E99-4C9D-9450-62A3DEC5476B}" type="datetimeFigureOut">
               <a:rPr lang="en-US" smtClean="0"/>
-              <a:t>9/25/2017</a:t>
+              <a:t>10/12/2017</a:t>
             </a:fld>
             <a:endParaRPr lang="en-US"/>
           </a:p>
@@ -2538,7 +2538,7 @@
           <a:p>
             <a:fld id="{F8F920B2-3E99-4C9D-9450-62A3DEC5476B}" type="datetimeFigureOut">
               <a:rPr lang="en-US" smtClean="0"/>
-              <a:t>9/25/2017</a:t>
+              <a:t>10/12/2017</a:t>
             </a:fld>
             <a:endParaRPr lang="en-US"/>
           </a:p>
@@ -2795,7 +2795,7 @@
           <a:p>
             <a:fld id="{F8F920B2-3E99-4C9D-9450-62A3DEC5476B}" type="datetimeFigureOut">
               <a:rPr lang="en-US" smtClean="0"/>
-              <a:t>9/25/2017</a:t>
+              <a:t>10/12/2017</a:t>
             </a:fld>
             <a:endParaRPr lang="en-US"/>
           </a:p>
@@ -3008,7 +3008,7 @@
           <a:p>
             <a:fld id="{F8F920B2-3E99-4C9D-9450-62A3DEC5476B}" type="datetimeFigureOut">
               <a:rPr lang="en-US" smtClean="0"/>
-              <a:t>9/25/2017</a:t>
+              <a:t>10/12/2017</a:t>
             </a:fld>
             <a:endParaRPr lang="en-US"/>
           </a:p>
@@ -8731,8 +8731,57 @@
                 <a:latin typeface="Courier New" panose="02070309020205020404" pitchFamily="49" charset="0"/>
                 <a:cs typeface="Courier New" panose="02070309020205020404" pitchFamily="49" charset="0"/>
               </a:rPr>
-              <a:t>[</a:t>
-            </a:r>
+              <a:t>[63]</a:t>
+            </a:r>
+            <a:endParaRPr lang="en-US" sz="900" dirty="0">
+              <a:solidFill>
+                <a:srgbClr val="000000"/>
+              </a:solidFill>
+              <a:latin typeface="Courier New" panose="02070309020205020404" pitchFamily="49" charset="0"/>
+              <a:cs typeface="Courier New" panose="02070309020205020404" pitchFamily="49" charset="0"/>
+            </a:endParaRPr>
+          </a:p>
+        </p:txBody>
+      </p:sp>
+      <p:sp>
+        <p:nvSpPr>
+          <p:cNvPr id="752" name="Rectangle 751"/>
+          <p:cNvSpPr/>
+          <p:nvPr/>
+        </p:nvSpPr>
+        <p:spPr>
+          <a:xfrm>
+            <a:off x="7772400" y="4419600"/>
+            <a:ext cx="457200" cy="152400"/>
+          </a:xfrm>
+          <a:prstGeom prst="rect">
+            <a:avLst/>
+          </a:prstGeom>
+          <a:noFill/>
+          <a:ln>
+            <a:noFill/>
+          </a:ln>
+        </p:spPr>
+        <p:style>
+          <a:lnRef idx="2">
+            <a:schemeClr val="accent1">
+              <a:shade val="50000"/>
+            </a:schemeClr>
+          </a:lnRef>
+          <a:fillRef idx="1">
+            <a:schemeClr val="accent1"/>
+          </a:fillRef>
+          <a:effectRef idx="0">
+            <a:schemeClr val="accent1"/>
+          </a:effectRef>
+          <a:fontRef idx="minor">
+            <a:schemeClr val="lt1"/>
+          </a:fontRef>
+        </p:style>
+        <p:txBody>
+          <a:bodyPr wrap="none" lIns="45720" rIns="45720" rtlCol="0" anchor="ctr"/>
+          <a:lstStyle/>
+          <a:p>
             <a:r>
               <a:rPr lang="en-US" sz="900" dirty="0" smtClean="0">
                 <a:solidFill>
@@ -8741,8 +8790,57 @@
                 <a:latin typeface="Courier New" panose="02070309020205020404" pitchFamily="49" charset="0"/>
                 <a:cs typeface="Courier New" panose="02070309020205020404" pitchFamily="49" charset="0"/>
               </a:rPr>
-              <a:t>63</a:t>
-            </a:r>
+              <a:t>[62]</a:t>
+            </a:r>
+            <a:endParaRPr lang="en-US" sz="900" dirty="0">
+              <a:solidFill>
+                <a:srgbClr val="000000"/>
+              </a:solidFill>
+              <a:latin typeface="Courier New" panose="02070309020205020404" pitchFamily="49" charset="0"/>
+              <a:cs typeface="Courier New" panose="02070309020205020404" pitchFamily="49" charset="0"/>
+            </a:endParaRPr>
+          </a:p>
+        </p:txBody>
+      </p:sp>
+      <p:sp>
+        <p:nvSpPr>
+          <p:cNvPr id="753" name="Rectangle 752"/>
+          <p:cNvSpPr/>
+          <p:nvPr/>
+        </p:nvSpPr>
+        <p:spPr>
+          <a:xfrm>
+            <a:off x="7772400" y="4648200"/>
+            <a:ext cx="457200" cy="152400"/>
+          </a:xfrm>
+          <a:prstGeom prst="rect">
+            <a:avLst/>
+          </a:prstGeom>
+          <a:noFill/>
+          <a:ln>
+            <a:noFill/>
+          </a:ln>
+        </p:spPr>
+        <p:style>
+          <a:lnRef idx="2">
+            <a:schemeClr val="accent1">
+              <a:shade val="50000"/>
+            </a:schemeClr>
+          </a:lnRef>
+          <a:fillRef idx="1">
+            <a:schemeClr val="accent1"/>
+          </a:fillRef>
+          <a:effectRef idx="0">
+            <a:schemeClr val="accent1"/>
+          </a:effectRef>
+          <a:fontRef idx="minor">
+            <a:schemeClr val="lt1"/>
+          </a:fontRef>
+        </p:style>
+        <p:txBody>
+          <a:bodyPr wrap="none" lIns="45720" rIns="45720" rtlCol="0" anchor="ctr"/>
+          <a:lstStyle/>
+          <a:p>
             <a:r>
               <a:rPr lang="en-US" sz="900" dirty="0" smtClean="0">
                 <a:solidFill>
@@ -8751,165 +8849,7 @@
                 <a:latin typeface="Courier New" panose="02070309020205020404" pitchFamily="49" charset="0"/>
                 <a:cs typeface="Courier New" panose="02070309020205020404" pitchFamily="49" charset="0"/>
               </a:rPr>
-              <a:t>]</a:t>
-            </a:r>
-            <a:endParaRPr lang="en-US" sz="900" dirty="0">
-              <a:solidFill>
-                <a:srgbClr val="000000"/>
-              </a:solidFill>
-              <a:latin typeface="Courier New" panose="02070309020205020404" pitchFamily="49" charset="0"/>
-              <a:cs typeface="Courier New" panose="02070309020205020404" pitchFamily="49" charset="0"/>
-            </a:endParaRPr>
-          </a:p>
-        </p:txBody>
-      </p:sp>
-      <p:sp>
-        <p:nvSpPr>
-          <p:cNvPr id="752" name="Rectangle 751"/>
-          <p:cNvSpPr/>
-          <p:nvPr/>
-        </p:nvSpPr>
-        <p:spPr>
-          <a:xfrm>
-            <a:off x="7772400" y="4419600"/>
-            <a:ext cx="457200" cy="152400"/>
-          </a:xfrm>
-          <a:prstGeom prst="rect">
-            <a:avLst/>
-          </a:prstGeom>
-          <a:noFill/>
-          <a:ln>
-            <a:noFill/>
-          </a:ln>
-        </p:spPr>
-        <p:style>
-          <a:lnRef idx="2">
-            <a:schemeClr val="accent1">
-              <a:shade val="50000"/>
-            </a:schemeClr>
-          </a:lnRef>
-          <a:fillRef idx="1">
-            <a:schemeClr val="accent1"/>
-          </a:fillRef>
-          <a:effectRef idx="0">
-            <a:schemeClr val="accent1"/>
-          </a:effectRef>
-          <a:fontRef idx="minor">
-            <a:schemeClr val="lt1"/>
-          </a:fontRef>
-        </p:style>
-        <p:txBody>
-          <a:bodyPr wrap="none" lIns="45720" rIns="45720" rtlCol="0" anchor="ctr"/>
-          <a:lstStyle/>
-          <a:p>
-            <a:r>
-              <a:rPr lang="en-US" sz="900" dirty="0" smtClean="0">
-                <a:solidFill>
-                  <a:srgbClr val="000000"/>
-                </a:solidFill>
-                <a:latin typeface="Courier New" panose="02070309020205020404" pitchFamily="49" charset="0"/>
-                <a:cs typeface="Courier New" panose="02070309020205020404" pitchFamily="49" charset="0"/>
-              </a:rPr>
-              <a:t>[</a:t>
-            </a:r>
-            <a:r>
-              <a:rPr lang="en-US" sz="900" dirty="0" smtClean="0">
-                <a:solidFill>
-                  <a:srgbClr val="000000"/>
-                </a:solidFill>
-                <a:latin typeface="Courier New" panose="02070309020205020404" pitchFamily="49" charset="0"/>
-                <a:cs typeface="Courier New" panose="02070309020205020404" pitchFamily="49" charset="0"/>
-              </a:rPr>
-              <a:t>62</a:t>
-            </a:r>
-            <a:r>
-              <a:rPr lang="en-US" sz="900" dirty="0" smtClean="0">
-                <a:solidFill>
-                  <a:srgbClr val="000000"/>
-                </a:solidFill>
-                <a:latin typeface="Courier New" panose="02070309020205020404" pitchFamily="49" charset="0"/>
-                <a:cs typeface="Courier New" panose="02070309020205020404" pitchFamily="49" charset="0"/>
-              </a:rPr>
-              <a:t>]</a:t>
-            </a:r>
-            <a:endParaRPr lang="en-US" sz="900" dirty="0">
-              <a:solidFill>
-                <a:srgbClr val="000000"/>
-              </a:solidFill>
-              <a:latin typeface="Courier New" panose="02070309020205020404" pitchFamily="49" charset="0"/>
-              <a:cs typeface="Courier New" panose="02070309020205020404" pitchFamily="49" charset="0"/>
-            </a:endParaRPr>
-          </a:p>
-        </p:txBody>
-      </p:sp>
-      <p:sp>
-        <p:nvSpPr>
-          <p:cNvPr id="753" name="Rectangle 752"/>
-          <p:cNvSpPr/>
-          <p:nvPr/>
-        </p:nvSpPr>
-        <p:spPr>
-          <a:xfrm>
-            <a:off x="7772400" y="4648200"/>
-            <a:ext cx="457200" cy="152400"/>
-          </a:xfrm>
-          <a:prstGeom prst="rect">
-            <a:avLst/>
-          </a:prstGeom>
-          <a:noFill/>
-          <a:ln>
-            <a:noFill/>
-          </a:ln>
-        </p:spPr>
-        <p:style>
-          <a:lnRef idx="2">
-            <a:schemeClr val="accent1">
-              <a:shade val="50000"/>
-            </a:schemeClr>
-          </a:lnRef>
-          <a:fillRef idx="1">
-            <a:schemeClr val="accent1"/>
-          </a:fillRef>
-          <a:effectRef idx="0">
-            <a:schemeClr val="accent1"/>
-          </a:effectRef>
-          <a:fontRef idx="minor">
-            <a:schemeClr val="lt1"/>
-          </a:fontRef>
-        </p:style>
-        <p:txBody>
-          <a:bodyPr wrap="none" lIns="45720" rIns="45720" rtlCol="0" anchor="ctr"/>
-          <a:lstStyle/>
-          <a:p>
-            <a:r>
-              <a:rPr lang="en-US" sz="900" dirty="0" smtClean="0">
-                <a:solidFill>
-                  <a:srgbClr val="000000"/>
-                </a:solidFill>
-                <a:latin typeface="Courier New" panose="02070309020205020404" pitchFamily="49" charset="0"/>
-                <a:cs typeface="Courier New" panose="02070309020205020404" pitchFamily="49" charset="0"/>
-              </a:rPr>
-              <a:t>[</a:t>
-            </a:r>
-            <a:r>
-              <a:rPr lang="en-US" sz="900" dirty="0" smtClean="0">
-                <a:solidFill>
-                  <a:srgbClr val="000000"/>
-                </a:solidFill>
-                <a:latin typeface="Courier New" panose="02070309020205020404" pitchFamily="49" charset="0"/>
-                <a:cs typeface="Courier New" panose="02070309020205020404" pitchFamily="49" charset="0"/>
-              </a:rPr>
-              <a:t>61</a:t>
-            </a:r>
-            <a:r>
-              <a:rPr lang="en-US" sz="900" dirty="0" smtClean="0">
-                <a:solidFill>
-                  <a:srgbClr val="000000"/>
-                </a:solidFill>
-                <a:latin typeface="Courier New" panose="02070309020205020404" pitchFamily="49" charset="0"/>
-                <a:cs typeface="Courier New" panose="02070309020205020404" pitchFamily="49" charset="0"/>
-              </a:rPr>
-              <a:t>:0</a:t>
+              <a:t>[61:0</a:t>
             </a:r>
             <a:r>
               <a:rPr lang="en-US" sz="900" dirty="0">
@@ -9036,8 +8976,8 @@
         </p:nvSpPr>
         <p:spPr>
           <a:xfrm>
-            <a:off x="9906000" y="3733800"/>
-            <a:ext cx="304800" cy="152400"/>
+            <a:off x="9906000" y="3581400"/>
+            <a:ext cx="304800" cy="304800"/>
           </a:xfrm>
           <a:prstGeom prst="rect">
             <a:avLst/>
@@ -9068,7 +9008,19 @@
           <a:lstStyle/>
           <a:p>
             <a:r>
-              <a:rPr lang="en-US" sz="900" dirty="0">
+              <a:rPr lang="en-US" sz="900" dirty="0" smtClean="0">
+                <a:solidFill>
+                  <a:srgbClr val="000000"/>
+                </a:solidFill>
+                <a:latin typeface="Courier New" panose="02070309020205020404" pitchFamily="49" charset="0"/>
+                <a:cs typeface="Courier New" panose="02070309020205020404" pitchFamily="49" charset="0"/>
+              </a:rPr>
+              <a:t>#(.DDR_ALIGNMENT(“C0”))</a:t>
+            </a:r>
+          </a:p>
+          <a:p>
+            <a:r>
+              <a:rPr lang="en-US" sz="900" dirty="0" smtClean="0">
                 <a:solidFill>
                   <a:srgbClr val="000000"/>
                 </a:solidFill>
@@ -9077,6 +9029,13 @@
               </a:rPr>
               <a:t>i_oddr2</a:t>
             </a:r>
+            <a:endParaRPr lang="en-US" sz="900" dirty="0">
+              <a:solidFill>
+                <a:srgbClr val="000000"/>
+              </a:solidFill>
+              <a:latin typeface="Courier New" panose="02070309020205020404" pitchFamily="49" charset="0"/>
+              <a:cs typeface="Courier New" panose="02070309020205020404" pitchFamily="49" charset="0"/>
+            </a:endParaRPr>
           </a:p>
         </p:txBody>
       </p:sp>
